--- a/trunk/tp2/Dinámica de una sustancia en el organismo.pptx
+++ b/trunk/tp2/Dinámica de una sustancia en el organismo.pptx
@@ -315,7 +315,7 @@
             <a:fld id="{E86E495F-F1AC-44BB-8C35-5ED6DD6261D6}" type="datetimeFigureOut">
               <a:rPr lang="es-AR" smtClean="0"/>
               <a:pPr/>
-              <a:t>20/10/2009</a:t>
+              <a:t>22/10/2009</a:t>
             </a:fld>
             <a:endParaRPr lang="es-AR"/>
           </a:p>
@@ -670,7 +670,7 @@
             <a:fld id="{E86E495F-F1AC-44BB-8C35-5ED6DD6261D6}" type="datetimeFigureOut">
               <a:rPr lang="es-AR" smtClean="0"/>
               <a:pPr/>
-              <a:t>20/10/2009</a:t>
+              <a:t>22/10/2009</a:t>
             </a:fld>
             <a:endParaRPr lang="es-AR"/>
           </a:p>
@@ -847,7 +847,7 @@
             <a:fld id="{E86E495F-F1AC-44BB-8C35-5ED6DD6261D6}" type="datetimeFigureOut">
               <a:rPr lang="es-AR" smtClean="0"/>
               <a:pPr/>
-              <a:t>20/10/2009</a:t>
+              <a:t>22/10/2009</a:t>
             </a:fld>
             <a:endParaRPr lang="es-AR"/>
           </a:p>
@@ -962,7 +962,7 @@
             <a:fld id="{E86E495F-F1AC-44BB-8C35-5ED6DD6261D6}" type="datetimeFigureOut">
               <a:rPr lang="es-AR" smtClean="0"/>
               <a:pPr/>
-              <a:t>20/10/2009</a:t>
+              <a:t>22/10/2009</a:t>
             </a:fld>
             <a:endParaRPr lang="es-AR"/>
           </a:p>
@@ -1322,7 +1322,7 @@
             <a:fld id="{E86E495F-F1AC-44BB-8C35-5ED6DD6261D6}" type="datetimeFigureOut">
               <a:rPr lang="es-AR" smtClean="0"/>
               <a:pPr/>
-              <a:t>20/10/2009</a:t>
+              <a:t>22/10/2009</a:t>
             </a:fld>
             <a:endParaRPr lang="es-AR"/>
           </a:p>
@@ -1589,7 +1589,7 @@
             <a:fld id="{E86E495F-F1AC-44BB-8C35-5ED6DD6261D6}" type="datetimeFigureOut">
               <a:rPr lang="es-AR" smtClean="0"/>
               <a:pPr/>
-              <a:t>20/10/2009</a:t>
+              <a:t>22/10/2009</a:t>
             </a:fld>
             <a:endParaRPr lang="es-AR"/>
           </a:p>
@@ -1953,7 +1953,7 @@
             <a:fld id="{E86E495F-F1AC-44BB-8C35-5ED6DD6261D6}" type="datetimeFigureOut">
               <a:rPr lang="es-AR" smtClean="0"/>
               <a:pPr/>
-              <a:t>20/10/2009</a:t>
+              <a:t>22/10/2009</a:t>
             </a:fld>
             <a:endParaRPr lang="es-AR"/>
           </a:p>
@@ -2182,7 +2182,7 @@
             <a:fld id="{E86E495F-F1AC-44BB-8C35-5ED6DD6261D6}" type="datetimeFigureOut">
               <a:rPr lang="es-AR" smtClean="0"/>
               <a:pPr/>
-              <a:t>20/10/2009</a:t>
+              <a:t>22/10/2009</a:t>
             </a:fld>
             <a:endParaRPr lang="es-AR"/>
           </a:p>
@@ -2274,7 +2274,7 @@
             <a:fld id="{E86E495F-F1AC-44BB-8C35-5ED6DD6261D6}" type="datetimeFigureOut">
               <a:rPr lang="es-AR" smtClean="0"/>
               <a:pPr/>
-              <a:t>20/10/2009</a:t>
+              <a:t>22/10/2009</a:t>
             </a:fld>
             <a:endParaRPr lang="es-AR"/>
           </a:p>
@@ -2543,7 +2543,7 @@
             <a:fld id="{E86E495F-F1AC-44BB-8C35-5ED6DD6261D6}" type="datetimeFigureOut">
               <a:rPr lang="es-AR" smtClean="0"/>
               <a:pPr/>
-              <a:t>20/10/2009</a:t>
+              <a:t>22/10/2009</a:t>
             </a:fld>
             <a:endParaRPr lang="es-AR"/>
           </a:p>
@@ -2773,7 +2773,7 @@
             <a:fld id="{E86E495F-F1AC-44BB-8C35-5ED6DD6261D6}" type="datetimeFigureOut">
               <a:rPr lang="es-AR" smtClean="0"/>
               <a:pPr/>
-              <a:t>20/10/2009</a:t>
+              <a:t>22/10/2009</a:t>
             </a:fld>
             <a:endParaRPr lang="es-AR"/>
           </a:p>
@@ -3274,7 +3274,7 @@
             <a:fld id="{E86E495F-F1AC-44BB-8C35-5ED6DD6261D6}" type="datetimeFigureOut">
               <a:rPr lang="es-AR" smtClean="0"/>
               <a:pPr/>
-              <a:t>20/10/2009</a:t>
+              <a:t>22/10/2009</a:t>
             </a:fld>
             <a:endParaRPr lang="es-AR"/>
           </a:p>
@@ -3681,25 +3681,6 @@
       </p:grpSpPr>
       <p:sp>
         <p:nvSpPr>
-          <p:cNvPr id="3" name="2 Subtítulo"/>
-          <p:cNvSpPr>
-            <a:spLocks noGrp="1"/>
-          </p:cNvSpPr>
-          <p:nvPr>
-            <p:ph type="subTitle" idx="1"/>
-          </p:nvPr>
-        </p:nvSpPr>
-        <p:spPr/>
-        <p:txBody>
-          <a:bodyPr/>
-          <a:lstStyle/>
-          <a:p>
-            <a:endParaRPr lang="es-AR" dirty="0"/>
-          </a:p>
-        </p:txBody>
-      </p:sp>
-      <p:sp>
-        <p:nvSpPr>
           <p:cNvPr id="2" name="1 Título"/>
           <p:cNvSpPr>
             <a:spLocks noGrp="1"/>
@@ -3868,6 +3849,13 @@
   <p:clrMapOvr>
     <a:masterClrMapping/>
   </p:clrMapOvr>
+  <p:timing>
+    <p:tnLst>
+      <p:par>
+        <p:cTn id="1" dur="indefinite" restart="never" nodeType="tmRoot"/>
+      </p:par>
+    </p:tnLst>
+  </p:timing>
 </p:sld>
 </file>
 
@@ -4025,6 +4013,13 @@
   <p:clrMapOvr>
     <a:masterClrMapping/>
   </p:clrMapOvr>
+  <p:timing>
+    <p:tnLst>
+      <p:par>
+        <p:cTn id="1" dur="indefinite" restart="never" nodeType="tmRoot"/>
+      </p:par>
+    </p:tnLst>
+  </p:timing>
 </p:sld>
 </file>
 
@@ -4111,11 +4106,7 @@
             <a:pPr lvl="1"/>
             <a:r>
               <a:rPr lang="es-MX" dirty="0" smtClean="0"/>
-              <a:t>Sin parte imaginaria (para que no oscile</a:t>
-            </a:r>
-            <a:r>
-              <a:rPr lang="es-MX" dirty="0" smtClean="0"/>
-              <a:t>)</a:t>
+              <a:t>Sin parte imaginaria (para que no oscile)</a:t>
             </a:r>
           </a:p>
           <a:p>
@@ -4167,7 +4158,6 @@
               <a:rPr lang="es-MX" dirty="0" smtClean="0"/>
               <a:t> </a:t>
             </a:r>
-            <a:endParaRPr lang="es-MX" dirty="0" smtClean="0"/>
           </a:p>
           <a:p>
             <a:endParaRPr lang="es-MX" dirty="0" smtClean="0"/>
@@ -4219,6 +4209,13 @@
   <p:clrMapOvr>
     <a:masterClrMapping/>
   </p:clrMapOvr>
+  <p:timing>
+    <p:tnLst>
+      <p:par>
+        <p:cTn id="1" dur="indefinite" restart="never" nodeType="tmRoot"/>
+      </p:par>
+    </p:tnLst>
+  </p:timing>
 </p:sld>
 </file>
 
@@ -4353,6 +4350,13 @@
   <p:clrMapOvr>
     <a:masterClrMapping/>
   </p:clrMapOvr>
+  <p:timing>
+    <p:tnLst>
+      <p:par>
+        <p:cTn id="1" dur="indefinite" restart="never" nodeType="tmRoot"/>
+      </p:par>
+    </p:tnLst>
+  </p:timing>
 </p:sld>
 </file>
 
@@ -4440,6 +4444,13 @@
   <p:clrMapOvr>
     <a:masterClrMapping/>
   </p:clrMapOvr>
+  <p:timing>
+    <p:tnLst>
+      <p:par>
+        <p:cTn id="1" dur="indefinite" restart="never" nodeType="tmRoot"/>
+      </p:par>
+    </p:tnLst>
+  </p:timing>
 </p:sld>
 </file>
 
@@ -5969,6 +5980,13 @@
   <p:clrMapOvr>
     <a:masterClrMapping/>
   </p:clrMapOvr>
+  <p:timing>
+    <p:tnLst>
+      <p:par>
+        <p:cTn id="1" dur="indefinite" restart="never" nodeType="tmRoot"/>
+      </p:par>
+    </p:tnLst>
+  </p:timing>
 </p:sld>
 </file>
 
